--- a/MAS DAV Day 5.pptx
+++ b/MAS DAV Day 5.pptx
@@ -5,10 +5,10 @@
     <p:sldMasterId id="2147483655" r:id="rId4"/>
   </p:sldMasterIdLst>
   <p:notesMasterIdLst>
-    <p:notesMasterId r:id="rId36"/>
+    <p:notesMasterId r:id="rId34"/>
   </p:notesMasterIdLst>
   <p:handoutMasterIdLst>
-    <p:handoutMasterId r:id="rId37"/>
+    <p:handoutMasterId r:id="rId35"/>
   </p:handoutMasterIdLst>
   <p:sldIdLst>
     <p:sldId id="256" r:id="rId5"/>
@@ -37,11 +37,9 @@
     <p:sldId id="298" r:id="rId28"/>
     <p:sldId id="279" r:id="rId29"/>
     <p:sldId id="280" r:id="rId30"/>
-    <p:sldId id="289" r:id="rId31"/>
-    <p:sldId id="281" r:id="rId32"/>
-    <p:sldId id="287" r:id="rId33"/>
-    <p:sldId id="282" r:id="rId34"/>
-    <p:sldId id="265" r:id="rId35"/>
+    <p:sldId id="281" r:id="rId31"/>
+    <p:sldId id="287" r:id="rId32"/>
+    <p:sldId id="265" r:id="rId33"/>
   </p:sldIdLst>
   <p:sldSz cx="9144000" cy="5143500" type="screen16x9"/>
   <p:notesSz cx="6797675" cy="9928225"/>
@@ -370,7 +368,7 @@
             <a:fld id="{7CE224C0-411E-4EEB-BDAD-3AEC876A4CFC}" type="datetime1">
               <a:rPr lang="nl-NL" altLang="sk-SK"/>
               <a:pPr/>
-              <a:t>23-8-2022</a:t>
+              <a:t>26-8-2022</a:t>
             </a:fld>
             <a:endParaRPr lang="nl-NL" altLang="sk-SK"/>
           </a:p>
@@ -576,7 +574,7 @@
             <a:fld id="{9A4D05BA-4837-4EBD-AF46-D8BC8F895E62}" type="datetime1">
               <a:rPr lang="nl-NL" altLang="sk-SK"/>
               <a:pPr/>
-              <a:t>23-8-2022</a:t>
+              <a:t>26-8-2022</a:t>
             </a:fld>
             <a:endParaRPr lang="nl-NL" altLang="sk-SK"/>
           </a:p>
@@ -8552,31 +8550,35 @@
           </a:p>
         </p:txBody>
       </p:sp>
-      <p:sp>
-        <p:nvSpPr>
-          <p:cNvPr id="8" name="Tijdelijke aanduiding voor inhoud 7">
+      <p:pic>
+        <p:nvPicPr>
+          <p:cNvPr id="5" name="Tijdelijke aanduiding voor inhoud 4">
             <a:extLst>
               <a:ext uri="{FF2B5EF4-FFF2-40B4-BE49-F238E27FC236}">
-                <a16:creationId xmlns:a16="http://schemas.microsoft.com/office/drawing/2014/main" id="{EB9C8502-1B28-4571-A768-C23A0203EEDB}"/>
+                <a16:creationId xmlns:a16="http://schemas.microsoft.com/office/drawing/2014/main" id="{668E68BE-5445-1A07-0600-2FFA578EB781}"/>
               </a:ext>
             </a:extLst>
           </p:cNvPr>
-          <p:cNvSpPr>
-            <a:spLocks noGrp="1"/>
-          </p:cNvSpPr>
+          <p:cNvPicPr>
+            <a:picLocks noGrp="1" noChangeAspect="1"/>
+          </p:cNvPicPr>
           <p:nvPr>
             <p:ph sz="half" idx="2"/>
           </p:nvPr>
-        </p:nvSpPr>
-        <p:spPr/>
-        <p:txBody>
-          <a:bodyPr/>
-          <a:lstStyle/>
-          <a:p>
-            <a:endParaRPr lang="nl-NL"/>
-          </a:p>
-        </p:txBody>
-      </p:sp>
+        </p:nvPicPr>
+        <p:blipFill>
+          <a:blip r:embed="rId2"/>
+          <a:stretch>
+            <a:fillRect/>
+          </a:stretch>
+        </p:blipFill>
+        <p:spPr>
+          <a:xfrm>
+            <a:off x="4746625" y="961336"/>
+            <a:ext cx="3900488" cy="3606590"/>
+          </a:xfrm>
+        </p:spPr>
+      </p:pic>
     </p:spTree>
     <p:extLst>
       <p:ext uri="{BB962C8B-B14F-4D97-AF65-F5344CB8AC3E}">
@@ -8708,98 +8710,6 @@
       </p:grpSpPr>
       <p:sp>
         <p:nvSpPr>
-          <p:cNvPr id="4" name="Tijdelijke aanduiding voor inhoud 3">
-            <a:extLst>
-              <a:ext uri="{FF2B5EF4-FFF2-40B4-BE49-F238E27FC236}">
-                <a16:creationId xmlns:a16="http://schemas.microsoft.com/office/drawing/2014/main" id="{39EEA412-C21A-44A9-AC71-ABE62099F0D4}"/>
-              </a:ext>
-            </a:extLst>
-          </p:cNvPr>
-          <p:cNvSpPr>
-            <a:spLocks noGrp="1"/>
-          </p:cNvSpPr>
-          <p:nvPr>
-            <p:ph idx="1"/>
-          </p:nvPr>
-        </p:nvSpPr>
-        <p:spPr/>
-        <p:txBody>
-          <a:bodyPr/>
-          <a:lstStyle/>
-          <a:p>
-            <a:pPr>
-              <a:buFont typeface="+mj-lt"/>
-              <a:buAutoNum type="arabicPeriod"/>
-            </a:pPr>
-            <a:endParaRPr lang="nl-NL" dirty="0"/>
-          </a:p>
-        </p:txBody>
-      </p:sp>
-      <p:sp>
-        <p:nvSpPr>
-          <p:cNvPr id="3" name="Titel 2">
-            <a:extLst>
-              <a:ext uri="{FF2B5EF4-FFF2-40B4-BE49-F238E27FC236}">
-                <a16:creationId xmlns:a16="http://schemas.microsoft.com/office/drawing/2014/main" id="{3DDFAC4E-0A0E-495D-9D56-10F2569F5723}"/>
-              </a:ext>
-            </a:extLst>
-          </p:cNvPr>
-          <p:cNvSpPr>
-            <a:spLocks noGrp="1"/>
-          </p:cNvSpPr>
-          <p:nvPr>
-            <p:ph type="title"/>
-          </p:nvPr>
-        </p:nvSpPr>
-        <p:spPr/>
-        <p:txBody>
-          <a:bodyPr/>
-          <a:lstStyle/>
-          <a:p>
-            <a:r>
-              <a:rPr lang="nl-NL" dirty="0"/>
-              <a:t>First 8 </a:t>
-            </a:r>
-            <a:r>
-              <a:rPr lang="nl-NL" dirty="0" err="1"/>
-              <a:t>students</a:t>
-            </a:r>
-            <a:endParaRPr lang="nl-NL" dirty="0"/>
-          </a:p>
-        </p:txBody>
-      </p:sp>
-    </p:spTree>
-    <p:extLst>
-      <p:ext uri="{BB962C8B-B14F-4D97-AF65-F5344CB8AC3E}">
-        <p14:creationId xmlns:p14="http://schemas.microsoft.com/office/powerpoint/2010/main" val="1401213943"/>
-      </p:ext>
-    </p:extLst>
-  </p:cSld>
-  <p:clrMapOvr>
-    <a:masterClrMapping/>
-  </p:clrMapOvr>
-</p:sld>
-</file>
-
-<file path=ppt/slides/slide28.xml><?xml version="1.0" encoding="utf-8"?>
-<p:sld xmlns:a="http://schemas.openxmlformats.org/drawingml/2006/main" xmlns:r="http://schemas.openxmlformats.org/officeDocument/2006/relationships" xmlns:p="http://schemas.openxmlformats.org/presentationml/2006/main">
-  <p:cSld>
-    <p:spTree>
-      <p:nvGrpSpPr>
-        <p:cNvPr id="1" name=""/>
-        <p:cNvGrpSpPr/>
-        <p:nvPr/>
-      </p:nvGrpSpPr>
-      <p:grpSpPr>
-        <a:xfrm>
-          <a:off x="0" y="0"/>
-          <a:ext cx="0" cy="0"/>
-          <a:chOff x="0" y="0"/>
-          <a:chExt cx="0" cy="0"/>
-        </a:xfrm>
-      </p:grpSpPr>
-      <p:sp>
-        <p:nvSpPr>
           <p:cNvPr id="2" name="Tekstvak 1">
             <a:extLst>
               <a:ext uri="{FF2B5EF4-FFF2-40B4-BE49-F238E27FC236}">
@@ -8846,7 +8756,7 @@
 </p:sld>
 </file>
 
-<file path=ppt/slides/slide29.xml><?xml version="1.0" encoding="utf-8"?>
+<file path=ppt/slides/slide28.xml><?xml version="1.0" encoding="utf-8"?>
 <p:sld xmlns:a="http://schemas.openxmlformats.org/drawingml/2006/main" xmlns:r="http://schemas.openxmlformats.org/officeDocument/2006/relationships" xmlns:p="http://schemas.openxmlformats.org/presentationml/2006/main">
   <p:cSld>
     <p:spTree>
@@ -8893,7 +8803,7 @@
           <a:p>
             <a:r>
               <a:rPr lang="en-US" dirty="0"/>
-              <a:t>Grading and evaluation</a:t>
+              <a:t>Wrap up and evaluation</a:t>
             </a:r>
           </a:p>
         </p:txBody>
@@ -8904,6 +8814,142 @@
         <p14:creationId xmlns:p14="http://schemas.microsoft.com/office/powerpoint/2010/main" val="1151335710"/>
       </p:ext>
     </p:extLst>
+  </p:cSld>
+  <p:clrMapOvr>
+    <a:masterClrMapping/>
+  </p:clrMapOvr>
+</p:sld>
+</file>
+
+<file path=ppt/slides/slide29.xml><?xml version="1.0" encoding="utf-8"?>
+<p:sld xmlns:a="http://schemas.openxmlformats.org/drawingml/2006/main" xmlns:r="http://schemas.openxmlformats.org/officeDocument/2006/relationships" xmlns:p="http://schemas.openxmlformats.org/presentationml/2006/main">
+  <p:cSld>
+    <p:spTree>
+      <p:nvGrpSpPr>
+        <p:cNvPr id="1" name=""/>
+        <p:cNvGrpSpPr/>
+        <p:nvPr/>
+      </p:nvGrpSpPr>
+      <p:grpSpPr>
+        <a:xfrm>
+          <a:off x="0" y="0"/>
+          <a:ext cx="0" cy="0"/>
+          <a:chOff x="0" y="0"/>
+          <a:chExt cx="0" cy="0"/>
+        </a:xfrm>
+      </p:grpSpPr>
+      <p:sp>
+        <p:nvSpPr>
+          <p:cNvPr id="2" name="Titel 1"/>
+          <p:cNvSpPr>
+            <a:spLocks noGrp="1"/>
+          </p:cNvSpPr>
+          <p:nvPr>
+            <p:ph type="title"/>
+          </p:nvPr>
+        </p:nvSpPr>
+        <p:spPr>
+          <a:xfrm>
+            <a:off x="251520" y="202332"/>
+            <a:ext cx="8229600" cy="857250"/>
+          </a:xfrm>
+        </p:spPr>
+        <p:txBody>
+          <a:bodyPr/>
+          <a:lstStyle/>
+          <a:p>
+            <a:r>
+              <a:rPr lang="nl-NL" dirty="0" err="1"/>
+              <a:t>Goodbye</a:t>
+            </a:r>
+            <a:r>
+              <a:rPr lang="nl-NL" dirty="0"/>
+              <a:t>!</a:t>
+            </a:r>
+          </a:p>
+        </p:txBody>
+      </p:sp>
+      <p:sp>
+        <p:nvSpPr>
+          <p:cNvPr id="12" name="Tijdelijke aanduiding voor inhoud 11"/>
+          <p:cNvSpPr>
+            <a:spLocks noGrp="1"/>
+          </p:cNvSpPr>
+          <p:nvPr>
+            <p:ph idx="1"/>
+          </p:nvPr>
+        </p:nvSpPr>
+        <p:spPr>
+          <a:xfrm>
+            <a:off x="539750" y="915988"/>
+            <a:ext cx="8229600" cy="3232150"/>
+          </a:xfrm>
+        </p:spPr>
+        <p:txBody>
+          <a:bodyPr/>
+          <a:lstStyle/>
+          <a:p>
+            <a:r>
+              <a:rPr lang="nl-NL" dirty="0"/>
+              <a:t>Dr.ir. Hans Henseler</a:t>
+            </a:r>
+          </a:p>
+          <a:p>
+            <a:r>
+              <a:rPr lang="nl-NL" dirty="0"/>
+              <a:t>henseler.h@hsleiden.nl</a:t>
+            </a:r>
+          </a:p>
+        </p:txBody>
+      </p:sp>
+      <p:pic>
+        <p:nvPicPr>
+          <p:cNvPr id="6146" name="Picture 2" descr="Goodbye - Free hands and gestures icons">
+            <a:extLst>
+              <a:ext uri="{FF2B5EF4-FFF2-40B4-BE49-F238E27FC236}">
+                <a16:creationId xmlns:a16="http://schemas.microsoft.com/office/drawing/2014/main" id="{3A3448CA-D434-499A-A147-B0AE99E29F5A}"/>
+              </a:ext>
+            </a:extLst>
+          </p:cNvPr>
+          <p:cNvPicPr>
+            <a:picLocks noChangeAspect="1" noChangeArrowheads="1"/>
+          </p:cNvPicPr>
+          <p:nvPr/>
+        </p:nvPicPr>
+        <p:blipFill>
+          <a:blip r:embed="rId2">
+            <a:extLst>
+              <a:ext uri="{28A0092B-C50C-407E-A947-70E740481C1C}">
+                <a14:useLocalDpi xmlns:a14="http://schemas.microsoft.com/office/drawing/2010/main" val="0"/>
+              </a:ext>
+            </a:extLst>
+          </a:blip>
+          <a:srcRect/>
+          <a:stretch>
+            <a:fillRect/>
+          </a:stretch>
+        </p:blipFill>
+        <p:spPr bwMode="auto">
+          <a:xfrm>
+            <a:off x="5400674" y="500061"/>
+            <a:ext cx="3317081" cy="3317081"/>
+          </a:xfrm>
+          <a:prstGeom prst="rect">
+            <a:avLst/>
+          </a:prstGeom>
+          <a:noFill/>
+          <a:extLst>
+            <a:ext uri="{909E8E84-426E-40DD-AFC4-6F175D3DCCD1}">
+              <a14:hiddenFill xmlns:a14="http://schemas.microsoft.com/office/drawing/2010/main">
+                <a:solidFill>
+                  <a:srgbClr val="FFFFFF"/>
+                </a:solidFill>
+              </a14:hiddenFill>
+            </a:ext>
+          </a:extLst>
+        </p:spPr>
+      </p:pic>
+    </p:spTree>
   </p:cSld>
   <p:clrMapOvr>
     <a:masterClrMapping/>
@@ -9505,205 +9551,6 @@
         <p14:creationId xmlns:p14="http://schemas.microsoft.com/office/powerpoint/2010/main" val="1241230871"/>
       </p:ext>
     </p:extLst>
-  </p:cSld>
-  <p:clrMapOvr>
-    <a:masterClrMapping/>
-  </p:clrMapOvr>
-</p:sld>
-</file>
-
-<file path=ppt/slides/slide30.xml><?xml version="1.0" encoding="utf-8"?>
-<p:sld xmlns:a="http://schemas.openxmlformats.org/drawingml/2006/main" xmlns:r="http://schemas.openxmlformats.org/officeDocument/2006/relationships" xmlns:p="http://schemas.openxmlformats.org/presentationml/2006/main">
-  <p:cSld>
-    <p:spTree>
-      <p:nvGrpSpPr>
-        <p:cNvPr id="1" name=""/>
-        <p:cNvGrpSpPr/>
-        <p:nvPr/>
-      </p:nvGrpSpPr>
-      <p:grpSpPr>
-        <a:xfrm>
-          <a:off x="0" y="0"/>
-          <a:ext cx="0" cy="0"/>
-          <a:chOff x="0" y="0"/>
-          <a:chExt cx="0" cy="0"/>
-        </a:xfrm>
-      </p:grpSpPr>
-      <p:sp>
-        <p:nvSpPr>
-          <p:cNvPr id="5" name="Ondertitel 4">
-            <a:extLst>
-              <a:ext uri="{FF2B5EF4-FFF2-40B4-BE49-F238E27FC236}">
-                <a16:creationId xmlns:a16="http://schemas.microsoft.com/office/drawing/2014/main" id="{D4868743-7DEB-4304-8510-56D4FBA889F0}"/>
-              </a:ext>
-            </a:extLst>
-          </p:cNvPr>
-          <p:cNvSpPr>
-            <a:spLocks noGrp="1"/>
-          </p:cNvSpPr>
-          <p:nvPr>
-            <p:ph type="subTitle" idx="1"/>
-          </p:nvPr>
-        </p:nvSpPr>
-        <p:spPr/>
-        <p:txBody>
-          <a:bodyPr/>
-          <a:lstStyle/>
-          <a:p>
-            <a:r>
-              <a:rPr lang="nl-NL" dirty="0"/>
-              <a:t>Project </a:t>
-            </a:r>
-            <a:r>
-              <a:rPr lang="nl-NL" dirty="0" err="1"/>
-              <a:t>grading</a:t>
-            </a:r>
-            <a:endParaRPr lang="nl-NL" dirty="0"/>
-          </a:p>
-        </p:txBody>
-      </p:sp>
-    </p:spTree>
-    <p:extLst>
-      <p:ext uri="{BB962C8B-B14F-4D97-AF65-F5344CB8AC3E}">
-        <p14:creationId xmlns:p14="http://schemas.microsoft.com/office/powerpoint/2010/main" val="883921150"/>
-      </p:ext>
-    </p:extLst>
-  </p:cSld>
-  <p:clrMapOvr>
-    <a:masterClrMapping/>
-  </p:clrMapOvr>
-</p:sld>
-</file>
-
-<file path=ppt/slides/slide31.xml><?xml version="1.0" encoding="utf-8"?>
-<p:sld xmlns:a="http://schemas.openxmlformats.org/drawingml/2006/main" xmlns:r="http://schemas.openxmlformats.org/officeDocument/2006/relationships" xmlns:p="http://schemas.openxmlformats.org/presentationml/2006/main">
-  <p:cSld>
-    <p:spTree>
-      <p:nvGrpSpPr>
-        <p:cNvPr id="1" name=""/>
-        <p:cNvGrpSpPr/>
-        <p:nvPr/>
-      </p:nvGrpSpPr>
-      <p:grpSpPr>
-        <a:xfrm>
-          <a:off x="0" y="0"/>
-          <a:ext cx="0" cy="0"/>
-          <a:chOff x="0" y="0"/>
-          <a:chExt cx="0" cy="0"/>
-        </a:xfrm>
-      </p:grpSpPr>
-      <p:sp>
-        <p:nvSpPr>
-          <p:cNvPr id="2" name="Titel 1"/>
-          <p:cNvSpPr>
-            <a:spLocks noGrp="1"/>
-          </p:cNvSpPr>
-          <p:nvPr>
-            <p:ph type="title"/>
-          </p:nvPr>
-        </p:nvSpPr>
-        <p:spPr>
-          <a:xfrm>
-            <a:off x="251520" y="202332"/>
-            <a:ext cx="8229600" cy="857250"/>
-          </a:xfrm>
-        </p:spPr>
-        <p:txBody>
-          <a:bodyPr/>
-          <a:lstStyle/>
-          <a:p>
-            <a:r>
-              <a:rPr lang="nl-NL" dirty="0" err="1"/>
-              <a:t>Goodbye</a:t>
-            </a:r>
-            <a:r>
-              <a:rPr lang="nl-NL" dirty="0"/>
-              <a:t>!</a:t>
-            </a:r>
-          </a:p>
-        </p:txBody>
-      </p:sp>
-      <p:sp>
-        <p:nvSpPr>
-          <p:cNvPr id="12" name="Tijdelijke aanduiding voor inhoud 11"/>
-          <p:cNvSpPr>
-            <a:spLocks noGrp="1"/>
-          </p:cNvSpPr>
-          <p:nvPr>
-            <p:ph idx="1"/>
-          </p:nvPr>
-        </p:nvSpPr>
-        <p:spPr>
-          <a:xfrm>
-            <a:off x="539750" y="915988"/>
-            <a:ext cx="8229600" cy="3232150"/>
-          </a:xfrm>
-        </p:spPr>
-        <p:txBody>
-          <a:bodyPr/>
-          <a:lstStyle/>
-          <a:p>
-            <a:r>
-              <a:rPr lang="nl-NL" dirty="0"/>
-              <a:t>Dr.ir. Hans Henseler</a:t>
-            </a:r>
-          </a:p>
-          <a:p>
-            <a:r>
-              <a:rPr lang="nl-NL" dirty="0"/>
-              <a:t>henseler.h@hsleiden.nl</a:t>
-            </a:r>
-          </a:p>
-        </p:txBody>
-      </p:sp>
-      <p:pic>
-        <p:nvPicPr>
-          <p:cNvPr id="6146" name="Picture 2" descr="Goodbye - Free hands and gestures icons">
-            <a:extLst>
-              <a:ext uri="{FF2B5EF4-FFF2-40B4-BE49-F238E27FC236}">
-                <a16:creationId xmlns:a16="http://schemas.microsoft.com/office/drawing/2014/main" id="{3A3448CA-D434-499A-A147-B0AE99E29F5A}"/>
-              </a:ext>
-            </a:extLst>
-          </p:cNvPr>
-          <p:cNvPicPr>
-            <a:picLocks noChangeAspect="1" noChangeArrowheads="1"/>
-          </p:cNvPicPr>
-          <p:nvPr/>
-        </p:nvPicPr>
-        <p:blipFill>
-          <a:blip r:embed="rId2">
-            <a:extLst>
-              <a:ext uri="{28A0092B-C50C-407E-A947-70E740481C1C}">
-                <a14:useLocalDpi xmlns:a14="http://schemas.microsoft.com/office/drawing/2010/main" val="0"/>
-              </a:ext>
-            </a:extLst>
-          </a:blip>
-          <a:srcRect/>
-          <a:stretch>
-            <a:fillRect/>
-          </a:stretch>
-        </p:blipFill>
-        <p:spPr bwMode="auto">
-          <a:xfrm>
-            <a:off x="5400674" y="500061"/>
-            <a:ext cx="3317081" cy="3317081"/>
-          </a:xfrm>
-          <a:prstGeom prst="rect">
-            <a:avLst/>
-          </a:prstGeom>
-          <a:noFill/>
-          <a:extLst>
-            <a:ext uri="{909E8E84-426E-40DD-AFC4-6F175D3DCCD1}">
-              <a14:hiddenFill xmlns:a14="http://schemas.microsoft.com/office/drawing/2010/main">
-                <a:solidFill>
-                  <a:srgbClr val="FFFFFF"/>
-                </a:solidFill>
-              </a14:hiddenFill>
-            </a:ext>
-          </a:extLst>
-        </p:spPr>
-      </p:pic>
-    </p:spTree>
   </p:cSld>
   <p:clrMapOvr>
     <a:masterClrMapping/>
@@ -11967,21 +11814,6 @@
 </file>
 
 <file path=customXml/item1.xml><?xml version="1.0" encoding="utf-8"?>
-<p:properties xmlns:p="http://schemas.microsoft.com/office/2006/metadata/properties" xmlns:xsi="http://www.w3.org/2001/XMLSchema-instance" xmlns:pc="http://schemas.microsoft.com/office/infopath/2007/PartnerControls">
-  <documentManagement/>
-</p:properties>
-</file>
-
-<file path=customXml/item2.xml><?xml version="1.0" encoding="utf-8"?>
-<?mso-contentType ?>
-<FormTemplates xmlns="http://schemas.microsoft.com/sharepoint/v3/contenttype/forms">
-  <Display>DocumentLibraryForm</Display>
-  <Edit>DocumentLibraryForm</Edit>
-  <New>DocumentLibraryForm</New>
-</FormTemplates>
-</file>
-
-<file path=customXml/item3.xml><?xml version="1.0" encoding="utf-8"?>
 <ct:contentTypeSchema xmlns:ct="http://schemas.microsoft.com/office/2006/metadata/contentType" xmlns:ma="http://schemas.microsoft.com/office/2006/metadata/properties/metaAttributes" ct:_="" ma:_="" ma:contentTypeName="Document" ma:contentTypeID="0x010100FAE944A85B3FC644AE9EFFE44156C501" ma:contentTypeVersion="12" ma:contentTypeDescription="Een nieuw document maken." ma:contentTypeScope="" ma:versionID="70db83929fbd3c7a3365e6181485da89">
   <xsd:schema xmlns:xsd="http://www.w3.org/2001/XMLSchema" xmlns:xs="http://www.w3.org/2001/XMLSchema" xmlns:p="http://schemas.microsoft.com/office/2006/metadata/properties" xmlns:ns2="fe5bd3e4-37eb-4f3b-8be6-5f9e4ba7ffe1" xmlns:ns3="6f4f1059-8fb1-4a7c-91f7-f6e332262f34" targetNamespace="http://schemas.microsoft.com/office/2006/metadata/properties" ma:root="true" ma:fieldsID="39e1064dad567de22a32e27cfcc5f0cb" ns2:_="" ns3:_="">
     <xsd:import namespace="fe5bd3e4-37eb-4f3b-8be6-5f9e4ba7ffe1"/>
@@ -12198,32 +12030,22 @@
 </ct:contentTypeSchema>
 </file>
 
-<file path=customXml/itemProps1.xml><?xml version="1.0" encoding="utf-8"?>
-<ds:datastoreItem xmlns:ds="http://schemas.openxmlformats.org/officeDocument/2006/customXml" ds:itemID="{2E82029E-660E-4A32-83D1-5D2320A3DD59}">
-  <ds:schemaRefs>
-    <ds:schemaRef ds:uri="http://purl.org/dc/elements/1.1/"/>
-    <ds:schemaRef ds:uri="http://schemas.microsoft.com/office/2006/metadata/properties"/>
-    <ds:schemaRef ds:uri="6f4f1059-8fb1-4a7c-91f7-f6e332262f34"/>
-    <ds:schemaRef ds:uri="http://purl.org/dc/terms/"/>
-    <ds:schemaRef ds:uri="http://schemas.openxmlformats.org/package/2006/metadata/core-properties"/>
-    <ds:schemaRef ds:uri="http://schemas.microsoft.com/office/2006/documentManagement/types"/>
-    <ds:schemaRef ds:uri="http://schemas.microsoft.com/office/infopath/2007/PartnerControls"/>
-    <ds:schemaRef ds:uri="fe5bd3e4-37eb-4f3b-8be6-5f9e4ba7ffe1"/>
-    <ds:schemaRef ds:uri="http://www.w3.org/XML/1998/namespace"/>
-    <ds:schemaRef ds:uri="http://purl.org/dc/dcmitype/"/>
-  </ds:schemaRefs>
-</ds:datastoreItem>
+<file path=customXml/item2.xml><?xml version="1.0" encoding="utf-8"?>
+<?mso-contentType ?>
+<FormTemplates xmlns="http://schemas.microsoft.com/sharepoint/v3/contenttype/forms">
+  <Display>DocumentLibraryForm</Display>
+  <Edit>DocumentLibraryForm</Edit>
+  <New>DocumentLibraryForm</New>
+</FormTemplates>
 </file>
 
-<file path=customXml/itemProps2.xml><?xml version="1.0" encoding="utf-8"?>
-<ds:datastoreItem xmlns:ds="http://schemas.openxmlformats.org/officeDocument/2006/customXml" ds:itemID="{DCF7634C-61B8-4E53-818C-B86E03E0990C}">
-  <ds:schemaRefs>
-    <ds:schemaRef ds:uri="http://schemas.microsoft.com/sharepoint/v3/contenttype/forms"/>
-  </ds:schemaRefs>
-</ds:datastoreItem>
+<file path=customXml/item3.xml><?xml version="1.0" encoding="utf-8"?>
+<p:properties xmlns:p="http://schemas.microsoft.com/office/2006/metadata/properties" xmlns:xsi="http://www.w3.org/2001/XMLSchema-instance" xmlns:pc="http://schemas.microsoft.com/office/infopath/2007/PartnerControls">
+  <documentManagement/>
+</p:properties>
 </file>
 
-<file path=customXml/itemProps3.xml><?xml version="1.0" encoding="utf-8"?>
+<file path=customXml/itemProps1.xml><?xml version="1.0" encoding="utf-8"?>
 <ds:datastoreItem xmlns:ds="http://schemas.openxmlformats.org/officeDocument/2006/customXml" ds:itemID="{173C8BCB-C598-4C4D-A18B-0FEE0ED7ABCB}">
   <ds:schemaRefs>
     <ds:schemaRef ds:uri="http://schemas.microsoft.com/office/2006/metadata/contentType"/>
@@ -12240,4 +12062,29 @@
     <ds:schemaRef ds:uri="http://schemas.microsoft.com/internal/obd"/>
   </ds:schemaRefs>
 </ds:datastoreItem>
+</file>
+
+<file path=customXml/itemProps2.xml><?xml version="1.0" encoding="utf-8"?>
+<ds:datastoreItem xmlns:ds="http://schemas.openxmlformats.org/officeDocument/2006/customXml" ds:itemID="{DCF7634C-61B8-4E53-818C-B86E03E0990C}">
+  <ds:schemaRefs>
+    <ds:schemaRef ds:uri="http://schemas.microsoft.com/sharepoint/v3/contenttype/forms"/>
+  </ds:schemaRefs>
+</ds:datastoreItem>
+</file>
+
+<file path=customXml/itemProps3.xml><?xml version="1.0" encoding="utf-8"?>
+<ds:datastoreItem xmlns:ds="http://schemas.openxmlformats.org/officeDocument/2006/customXml" ds:itemID="{2E82029E-660E-4A32-83D1-5D2320A3DD59}">
+  <ds:schemaRefs>
+    <ds:schemaRef ds:uri="http://purl.org/dc/elements/1.1/"/>
+    <ds:schemaRef ds:uri="http://schemas.microsoft.com/office/2006/metadata/properties"/>
+    <ds:schemaRef ds:uri="6f4f1059-8fb1-4a7c-91f7-f6e332262f34"/>
+    <ds:schemaRef ds:uri="http://purl.org/dc/terms/"/>
+    <ds:schemaRef ds:uri="http://schemas.openxmlformats.org/package/2006/metadata/core-properties"/>
+    <ds:schemaRef ds:uri="http://schemas.microsoft.com/office/2006/documentManagement/types"/>
+    <ds:schemaRef ds:uri="http://schemas.microsoft.com/office/infopath/2007/PartnerControls"/>
+    <ds:schemaRef ds:uri="fe5bd3e4-37eb-4f3b-8be6-5f9e4ba7ffe1"/>
+    <ds:schemaRef ds:uri="http://www.w3.org/XML/1998/namespace"/>
+    <ds:schemaRef ds:uri="http://purl.org/dc/dcmitype/"/>
+  </ds:schemaRefs>
+</ds:datastoreItem>
 </file>